--- a/Naval_Battle.pptx
+++ b/Naval_Battle.pptx
@@ -107,6 +107,11 @@
       </a:defRPr>
     </a:lvl9pPr>
   </p:defaultTextStyle>
+  <p:extLst>
+    <p:ext uri="{EFAFB233-063F-42B5-8137-9DF3F51BA10A}">
+      <p15:sldGuideLst xmlns:p15="http://schemas.microsoft.com/office/powerpoint/2012/main"/>
+    </p:ext>
+  </p:extLst>
 </p:presentation>
 </file>
 
@@ -534,6 +539,18 @@
   <p:clrMapOvr>
     <a:masterClrMapping/>
   </p:clrMapOvr>
+  <mc:AlternateContent xmlns:mc="http://schemas.openxmlformats.org/markup-compatibility/2006">
+    <mc:Choice xmlns:p14="http://schemas.microsoft.com/office/powerpoint/2010/main" Requires="p14">
+      <p:transition spd="slow" p14:dur="3400">
+        <p14:reveal/>
+      </p:transition>
+    </mc:Choice>
+    <mc:Fallback>
+      <p:transition spd="slow">
+        <p:fade/>
+      </p:transition>
+    </mc:Fallback>
+  </mc:AlternateContent>
 </p:sldLayout>
 </file>
 
@@ -795,6 +812,18 @@
   <p:clrMapOvr>
     <a:masterClrMapping/>
   </p:clrMapOvr>
+  <mc:AlternateContent xmlns:mc="http://schemas.openxmlformats.org/markup-compatibility/2006">
+    <mc:Choice xmlns:p14="http://schemas.microsoft.com/office/powerpoint/2010/main" Requires="p14">
+      <p:transition spd="slow" p14:dur="3400">
+        <p14:reveal/>
+      </p:transition>
+    </mc:Choice>
+    <mc:Fallback>
+      <p:transition spd="slow">
+        <p:fade/>
+      </p:transition>
+    </mc:Fallback>
+  </mc:AlternateContent>
 </p:sldLayout>
 </file>
 
@@ -1045,6 +1074,18 @@
   <p:clrMapOvr>
     <a:masterClrMapping/>
   </p:clrMapOvr>
+  <mc:AlternateContent xmlns:mc="http://schemas.openxmlformats.org/markup-compatibility/2006">
+    <mc:Choice xmlns:p14="http://schemas.microsoft.com/office/powerpoint/2010/main" Requires="p14">
+      <p:transition spd="slow" p14:dur="3400">
+        <p14:reveal/>
+      </p:transition>
+    </mc:Choice>
+    <mc:Fallback>
+      <p:transition spd="slow">
+        <p:fade/>
+      </p:transition>
+    </mc:Fallback>
+  </mc:AlternateContent>
 </p:sldLayout>
 </file>
 
@@ -1421,6 +1462,18 @@
   <p:clrMapOvr>
     <a:masterClrMapping/>
   </p:clrMapOvr>
+  <mc:AlternateContent xmlns:mc="http://schemas.openxmlformats.org/markup-compatibility/2006">
+    <mc:Choice xmlns:p14="http://schemas.microsoft.com/office/powerpoint/2010/main" Requires="p14">
+      <p:transition spd="slow" p14:dur="3400">
+        <p14:reveal/>
+      </p:transition>
+    </mc:Choice>
+    <mc:Fallback>
+      <p:transition spd="slow">
+        <p:fade/>
+      </p:transition>
+    </mc:Fallback>
+  </mc:AlternateContent>
 </p:sldLayout>
 </file>
 
@@ -1671,6 +1724,18 @@
   <p:clrMapOvr>
     <a:masterClrMapping/>
   </p:clrMapOvr>
+  <mc:AlternateContent xmlns:mc="http://schemas.openxmlformats.org/markup-compatibility/2006">
+    <mc:Choice xmlns:p14="http://schemas.microsoft.com/office/powerpoint/2010/main" Requires="p14">
+      <p:transition spd="slow" p14:dur="3400">
+        <p14:reveal/>
+      </p:transition>
+    </mc:Choice>
+    <mc:Fallback>
+      <p:transition spd="slow">
+        <p:fade/>
+      </p:transition>
+    </mc:Fallback>
+  </mc:AlternateContent>
 </p:sldLayout>
 </file>
 
@@ -2041,6 +2106,18 @@
   <p:clrMapOvr>
     <a:masterClrMapping/>
   </p:clrMapOvr>
+  <mc:AlternateContent xmlns:mc="http://schemas.openxmlformats.org/markup-compatibility/2006">
+    <mc:Choice xmlns:p14="http://schemas.microsoft.com/office/powerpoint/2010/main" Requires="p14">
+      <p:transition spd="slow" p14:dur="3400">
+        <p14:reveal/>
+      </p:transition>
+    </mc:Choice>
+    <mc:Fallback>
+      <p:transition spd="slow">
+        <p:fade/>
+      </p:transition>
+    </mc:Fallback>
+  </mc:AlternateContent>
 </p:sldLayout>
 </file>
 
@@ -2340,6 +2417,18 @@
   <p:clrMapOvr>
     <a:masterClrMapping/>
   </p:clrMapOvr>
+  <mc:AlternateContent xmlns:mc="http://schemas.openxmlformats.org/markup-compatibility/2006">
+    <mc:Choice xmlns:p14="http://schemas.microsoft.com/office/powerpoint/2010/main" Requires="p14">
+      <p:transition spd="slow" p14:dur="3400">
+        <p14:reveal/>
+      </p:transition>
+    </mc:Choice>
+    <mc:Fallback>
+      <p:transition spd="slow">
+        <p:fade/>
+      </p:transition>
+    </mc:Fallback>
+  </mc:AlternateContent>
 </p:sldLayout>
 </file>
 
@@ -2514,6 +2603,18 @@
   <p:clrMapOvr>
     <a:masterClrMapping/>
   </p:clrMapOvr>
+  <mc:AlternateContent xmlns:mc="http://schemas.openxmlformats.org/markup-compatibility/2006">
+    <mc:Choice xmlns:p14="http://schemas.microsoft.com/office/powerpoint/2010/main" Requires="p14">
+      <p:transition spd="slow" p14:dur="3400">
+        <p14:reveal/>
+      </p:transition>
+    </mc:Choice>
+    <mc:Fallback>
+      <p:transition spd="slow">
+        <p:fade/>
+      </p:transition>
+    </mc:Fallback>
+  </mc:AlternateContent>
 </p:sldLayout>
 </file>
 
@@ -2694,6 +2795,18 @@
   <p:clrMapOvr>
     <a:masterClrMapping/>
   </p:clrMapOvr>
+  <mc:AlternateContent xmlns:mc="http://schemas.openxmlformats.org/markup-compatibility/2006">
+    <mc:Choice xmlns:p14="http://schemas.microsoft.com/office/powerpoint/2010/main" Requires="p14">
+      <p:transition spd="slow" p14:dur="3400">
+        <p14:reveal/>
+      </p:transition>
+    </mc:Choice>
+    <mc:Fallback>
+      <p:transition spd="slow">
+        <p:fade/>
+      </p:transition>
+    </mc:Fallback>
+  </mc:AlternateContent>
 </p:sldLayout>
 </file>
 
@@ -2864,6 +2977,18 @@
   <p:clrMapOvr>
     <a:masterClrMapping/>
   </p:clrMapOvr>
+  <mc:AlternateContent xmlns:mc="http://schemas.openxmlformats.org/markup-compatibility/2006">
+    <mc:Choice xmlns:p14="http://schemas.microsoft.com/office/powerpoint/2010/main" Requires="p14">
+      <p:transition spd="slow" p14:dur="3400">
+        <p14:reveal/>
+      </p:transition>
+    </mc:Choice>
+    <mc:Fallback>
+      <p:transition spd="slow">
+        <p:fade/>
+      </p:transition>
+    </mc:Fallback>
+  </mc:AlternateContent>
 </p:sldLayout>
 </file>
 
@@ -3114,6 +3239,18 @@
   <p:clrMapOvr>
     <a:masterClrMapping/>
   </p:clrMapOvr>
+  <mc:AlternateContent xmlns:mc="http://schemas.openxmlformats.org/markup-compatibility/2006">
+    <mc:Choice xmlns:p14="http://schemas.microsoft.com/office/powerpoint/2010/main" Requires="p14">
+      <p:transition spd="slow" p14:dur="3400">
+        <p14:reveal/>
+      </p:transition>
+    </mc:Choice>
+    <mc:Fallback>
+      <p:transition spd="slow">
+        <p:fade/>
+      </p:transition>
+    </mc:Fallback>
+  </mc:AlternateContent>
 </p:sldLayout>
 </file>
 
@@ -3350,6 +3487,18 @@
   <p:clrMapOvr>
     <a:masterClrMapping/>
   </p:clrMapOvr>
+  <mc:AlternateContent xmlns:mc="http://schemas.openxmlformats.org/markup-compatibility/2006">
+    <mc:Choice xmlns:p14="http://schemas.microsoft.com/office/powerpoint/2010/main" Requires="p14">
+      <p:transition spd="slow" p14:dur="3400">
+        <p14:reveal/>
+      </p:transition>
+    </mc:Choice>
+    <mc:Fallback>
+      <p:transition spd="slow">
+        <p:fade/>
+      </p:transition>
+    </mc:Fallback>
+  </mc:AlternateContent>
 </p:sldLayout>
 </file>
 
@@ -3732,6 +3881,18 @@
   <p:clrMapOvr>
     <a:masterClrMapping/>
   </p:clrMapOvr>
+  <mc:AlternateContent xmlns:mc="http://schemas.openxmlformats.org/markup-compatibility/2006">
+    <mc:Choice xmlns:p14="http://schemas.microsoft.com/office/powerpoint/2010/main" Requires="p14">
+      <p:transition spd="slow" p14:dur="3400">
+        <p14:reveal/>
+      </p:transition>
+    </mc:Choice>
+    <mc:Fallback>
+      <p:transition spd="slow">
+        <p:fade/>
+      </p:transition>
+    </mc:Fallback>
+  </mc:AlternateContent>
 </p:sldLayout>
 </file>
 
@@ -3850,6 +4011,18 @@
   <p:clrMapOvr>
     <a:masterClrMapping/>
   </p:clrMapOvr>
+  <mc:AlternateContent xmlns:mc="http://schemas.openxmlformats.org/markup-compatibility/2006">
+    <mc:Choice xmlns:p14="http://schemas.microsoft.com/office/powerpoint/2010/main" Requires="p14">
+      <p:transition spd="slow" p14:dur="3400">
+        <p14:reveal/>
+      </p:transition>
+    </mc:Choice>
+    <mc:Fallback>
+      <p:transition spd="slow">
+        <p:fade/>
+      </p:transition>
+    </mc:Fallback>
+  </mc:AlternateContent>
 </p:sldLayout>
 </file>
 
@@ -3945,6 +4118,18 @@
   <p:clrMapOvr>
     <a:masterClrMapping/>
   </p:clrMapOvr>
+  <mc:AlternateContent xmlns:mc="http://schemas.openxmlformats.org/markup-compatibility/2006">
+    <mc:Choice xmlns:p14="http://schemas.microsoft.com/office/powerpoint/2010/main" Requires="p14">
+      <p:transition spd="slow" p14:dur="3400">
+        <p14:reveal/>
+      </p:transition>
+    </mc:Choice>
+    <mc:Fallback>
+      <p:transition spd="slow">
+        <p:fade/>
+      </p:transition>
+    </mc:Fallback>
+  </mc:AlternateContent>
 </p:sldLayout>
 </file>
 
@@ -4200,6 +4385,18 @@
   <p:clrMapOvr>
     <a:masterClrMapping/>
   </p:clrMapOvr>
+  <mc:AlternateContent xmlns:mc="http://schemas.openxmlformats.org/markup-compatibility/2006">
+    <mc:Choice xmlns:p14="http://schemas.microsoft.com/office/powerpoint/2010/main" Requires="p14">
+      <p:transition spd="slow" p14:dur="3400">
+        <p14:reveal/>
+      </p:transition>
+    </mc:Choice>
+    <mc:Fallback>
+      <p:transition spd="slow">
+        <p:fade/>
+      </p:transition>
+    </mc:Fallback>
+  </mc:AlternateContent>
 </p:sldLayout>
 </file>
 
@@ -4483,6 +4680,18 @@
   <p:clrMapOvr>
     <a:masterClrMapping/>
   </p:clrMapOvr>
+  <mc:AlternateContent xmlns:mc="http://schemas.openxmlformats.org/markup-compatibility/2006">
+    <mc:Choice xmlns:p14="http://schemas.microsoft.com/office/powerpoint/2010/main" Requires="p14">
+      <p:transition spd="slow" p14:dur="3400">
+        <p14:reveal/>
+      </p:transition>
+    </mc:Choice>
+    <mc:Fallback>
+      <p:transition spd="slow">
+        <p:fade/>
+      </p:transition>
+    </mc:Fallback>
+  </mc:AlternateContent>
 </p:sldLayout>
 </file>
 
@@ -4946,6 +5155,18 @@
     <p:sldLayoutId id="2147483784" r:id="rId16"/>
     <p:sldLayoutId id="2147483785" r:id="rId17"/>
   </p:sldLayoutIdLst>
+  <mc:AlternateContent xmlns:mc="http://schemas.openxmlformats.org/markup-compatibility/2006">
+    <mc:Choice xmlns:p14="http://schemas.microsoft.com/office/powerpoint/2010/main" Requires="p14">
+      <p:transition spd="slow" p14:dur="3400">
+        <p14:reveal/>
+      </p:transition>
+    </mc:Choice>
+    <mc:Fallback>
+      <p:transition spd="slow">
+        <p:fade/>
+      </p:transition>
+    </mc:Fallback>
+  </mc:AlternateContent>
   <p:txStyles>
     <p:titleStyle>
       <a:lvl1pPr algn="l" defTabSz="457200" rtl="0" eaLnBrk="1" latinLnBrk="0" hangingPunct="1">
@@ -5442,6 +5663,18 @@
   <p:clrMapOvr>
     <a:masterClrMapping/>
   </p:clrMapOvr>
+  <mc:AlternateContent xmlns:mc="http://schemas.openxmlformats.org/markup-compatibility/2006">
+    <mc:Choice xmlns:p14="http://schemas.microsoft.com/office/powerpoint/2010/main" Requires="p14">
+      <p:transition spd="slow" p14:dur="3400">
+        <p14:reveal/>
+      </p:transition>
+    </mc:Choice>
+    <mc:Fallback>
+      <p:transition spd="slow">
+        <p:fade/>
+      </p:transition>
+    </mc:Fallback>
+  </mc:AlternateContent>
 </p:sld>
 </file>
 
@@ -5554,6 +5787,18 @@
   <p:clrMapOvr>
     <a:masterClrMapping/>
   </p:clrMapOvr>
+  <mc:AlternateContent xmlns:mc="http://schemas.openxmlformats.org/markup-compatibility/2006">
+    <mc:Choice xmlns:p14="http://schemas.microsoft.com/office/powerpoint/2010/main" Requires="p14">
+      <p:transition spd="slow" p14:dur="3400">
+        <p14:reveal/>
+      </p:transition>
+    </mc:Choice>
+    <mc:Fallback>
+      <p:transition spd="slow">
+        <p:fade/>
+      </p:transition>
+    </mc:Fallback>
+  </mc:AlternateContent>
 </p:sld>
 </file>
 
@@ -6056,6 +6301,18 @@
   <p:clrMapOvr>
     <a:masterClrMapping/>
   </p:clrMapOvr>
+  <mc:AlternateContent xmlns:mc="http://schemas.openxmlformats.org/markup-compatibility/2006">
+    <mc:Choice xmlns:p14="http://schemas.microsoft.com/office/powerpoint/2010/main" Requires="p14">
+      <p:transition spd="slow" p14:dur="3400">
+        <p14:reveal/>
+      </p:transition>
+    </mc:Choice>
+    <mc:Fallback>
+      <p:transition spd="slow">
+        <p:fade/>
+      </p:transition>
+    </mc:Fallback>
+  </mc:AlternateContent>
 </p:sld>
 </file>
 
@@ -6104,8 +6361,13 @@
           <a:p>
             <a:r>
               <a:rPr lang="ru-RU" dirty="0"/>
-              <a:t>Пример бой</a:t>
-            </a:r>
+              <a:t>Пример </a:t>
+            </a:r>
+            <a:r>
+              <a:rPr lang="ru-RU"/>
+              <a:t>боЯ</a:t>
+            </a:r>
+            <a:endParaRPr lang="ru-RU" dirty="0"/>
           </a:p>
         </p:txBody>
       </p:sp>
@@ -6179,6 +6441,18 @@
   <p:clrMapOvr>
     <a:masterClrMapping/>
   </p:clrMapOvr>
+  <mc:AlternateContent xmlns:mc="http://schemas.openxmlformats.org/markup-compatibility/2006">
+    <mc:Choice xmlns:p14="http://schemas.microsoft.com/office/powerpoint/2010/main" Requires="p14">
+      <p:transition spd="slow" p14:dur="3400">
+        <p14:reveal/>
+      </p:transition>
+    </mc:Choice>
+    <mc:Fallback>
+      <p:transition spd="slow">
+        <p:fade/>
+      </p:transition>
+    </mc:Fallback>
+  </mc:AlternateContent>
 </p:sld>
 </file>
 
